--- a/UserGuide/PRGuide.pptx
+++ b/UserGuide/PRGuide.pptx
@@ -259,7 +259,7 @@
           <a:p>
             <a:fld id="{0CD8B72C-4B7D-4C3A-BC03-F4B6BD342D2D}" type="datetimeFigureOut">
               <a:rPr lang="zh-CN" altLang="en-US" smtClean="0"/>
-              <a:t>2019/5/13</a:t>
+              <a:t>2019/5/21</a:t>
             </a:fld>
             <a:endParaRPr lang="zh-CN" altLang="en-US"/>
           </a:p>
@@ -429,7 +429,7 @@
           <a:p>
             <a:fld id="{0CD8B72C-4B7D-4C3A-BC03-F4B6BD342D2D}" type="datetimeFigureOut">
               <a:rPr lang="zh-CN" altLang="en-US" smtClean="0"/>
-              <a:t>2019/5/13</a:t>
+              <a:t>2019/5/21</a:t>
             </a:fld>
             <a:endParaRPr lang="zh-CN" altLang="en-US"/>
           </a:p>
@@ -609,7 +609,7 @@
           <a:p>
             <a:fld id="{0CD8B72C-4B7D-4C3A-BC03-F4B6BD342D2D}" type="datetimeFigureOut">
               <a:rPr lang="zh-CN" altLang="en-US" smtClean="0"/>
-              <a:t>2019/5/13</a:t>
+              <a:t>2019/5/21</a:t>
             </a:fld>
             <a:endParaRPr lang="zh-CN" altLang="en-US"/>
           </a:p>
@@ -779,7 +779,7 @@
           <a:p>
             <a:fld id="{0CD8B72C-4B7D-4C3A-BC03-F4B6BD342D2D}" type="datetimeFigureOut">
               <a:rPr lang="zh-CN" altLang="en-US" smtClean="0"/>
-              <a:t>2019/5/13</a:t>
+              <a:t>2019/5/21</a:t>
             </a:fld>
             <a:endParaRPr lang="zh-CN" altLang="en-US"/>
           </a:p>
@@ -1025,7 +1025,7 @@
           <a:p>
             <a:fld id="{0CD8B72C-4B7D-4C3A-BC03-F4B6BD342D2D}" type="datetimeFigureOut">
               <a:rPr lang="zh-CN" altLang="en-US" smtClean="0"/>
-              <a:t>2019/5/13</a:t>
+              <a:t>2019/5/21</a:t>
             </a:fld>
             <a:endParaRPr lang="zh-CN" altLang="en-US"/>
           </a:p>
@@ -1257,7 +1257,7 @@
           <a:p>
             <a:fld id="{0CD8B72C-4B7D-4C3A-BC03-F4B6BD342D2D}" type="datetimeFigureOut">
               <a:rPr lang="zh-CN" altLang="en-US" smtClean="0"/>
-              <a:t>2019/5/13</a:t>
+              <a:t>2019/5/21</a:t>
             </a:fld>
             <a:endParaRPr lang="zh-CN" altLang="en-US"/>
           </a:p>
@@ -1624,7 +1624,7 @@
           <a:p>
             <a:fld id="{0CD8B72C-4B7D-4C3A-BC03-F4B6BD342D2D}" type="datetimeFigureOut">
               <a:rPr lang="zh-CN" altLang="en-US" smtClean="0"/>
-              <a:t>2019/5/13</a:t>
+              <a:t>2019/5/21</a:t>
             </a:fld>
             <a:endParaRPr lang="zh-CN" altLang="en-US"/>
           </a:p>
@@ -1742,7 +1742,7 @@
           <a:p>
             <a:fld id="{0CD8B72C-4B7D-4C3A-BC03-F4B6BD342D2D}" type="datetimeFigureOut">
               <a:rPr lang="zh-CN" altLang="en-US" smtClean="0"/>
-              <a:t>2019/5/13</a:t>
+              <a:t>2019/5/21</a:t>
             </a:fld>
             <a:endParaRPr lang="zh-CN" altLang="en-US"/>
           </a:p>
@@ -1837,7 +1837,7 @@
           <a:p>
             <a:fld id="{0CD8B72C-4B7D-4C3A-BC03-F4B6BD342D2D}" type="datetimeFigureOut">
               <a:rPr lang="zh-CN" altLang="en-US" smtClean="0"/>
-              <a:t>2019/5/13</a:t>
+              <a:t>2019/5/21</a:t>
             </a:fld>
             <a:endParaRPr lang="zh-CN" altLang="en-US"/>
           </a:p>
@@ -2114,7 +2114,7 @@
           <a:p>
             <a:fld id="{0CD8B72C-4B7D-4C3A-BC03-F4B6BD342D2D}" type="datetimeFigureOut">
               <a:rPr lang="zh-CN" altLang="en-US" smtClean="0"/>
-              <a:t>2019/5/13</a:t>
+              <a:t>2019/5/21</a:t>
             </a:fld>
             <a:endParaRPr lang="zh-CN" altLang="en-US"/>
           </a:p>
@@ -2367,7 +2367,7 @@
           <a:p>
             <a:fld id="{0CD8B72C-4B7D-4C3A-BC03-F4B6BD342D2D}" type="datetimeFigureOut">
               <a:rPr lang="zh-CN" altLang="en-US" smtClean="0"/>
-              <a:t>2019/5/13</a:t>
+              <a:t>2019/5/21</a:t>
             </a:fld>
             <a:endParaRPr lang="zh-CN" altLang="en-US"/>
           </a:p>
@@ -2580,7 +2580,7 @@
           <a:p>
             <a:fld id="{0CD8B72C-4B7D-4C3A-BC03-F4B6BD342D2D}" type="datetimeFigureOut">
               <a:rPr lang="zh-CN" altLang="en-US" smtClean="0"/>
-              <a:t>2019/5/13</a:t>
+              <a:t>2019/5/21</a:t>
             </a:fld>
             <a:endParaRPr lang="zh-CN" altLang="en-US"/>
           </a:p>
@@ -3915,16 +3915,40 @@
               <a:t>1</a:t>
             </a:r>
             <a:r>
-              <a:rPr lang="en-US" altLang="zh-CN" sz="1200" dirty="0">
+              <a:rPr lang="en-US" altLang="zh-CN" sz="1200" dirty="0" smtClean="0">
                 <a:solidFill>
                   <a:srgbClr val="FF0000"/>
                 </a:solidFill>
               </a:rPr>
-              <a:t>.&lt;=5000</a:t>
+              <a:t>.</a:t>
+            </a:r>
+            <a:r>
+              <a:rPr lang="zh-CN" altLang="en-US" sz="1200" dirty="0" smtClean="0">
+                <a:solidFill>
+                  <a:srgbClr val="FF0000"/>
+                </a:solidFill>
+              </a:rPr>
+              <a:t>未税总价</a:t>
+            </a:r>
+            <a:r>
+              <a:rPr lang="en-US" altLang="zh-CN" sz="1200" dirty="0" smtClean="0">
+                <a:solidFill>
+                  <a:srgbClr val="FF0000"/>
+                </a:solidFill>
+              </a:rPr>
+              <a:t>&lt;=50000</a:t>
+            </a:r>
+            <a:r>
+              <a:rPr lang="zh-CN" altLang="en-US" sz="1200" dirty="0" smtClean="0"/>
+              <a:t>签</a:t>
             </a:r>
             <a:r>
               <a:rPr lang="zh-CN" altLang="en-US" sz="1200" dirty="0"/>
-              <a:t>签核权限：</a:t>
+              <a:t>核权限</a:t>
+            </a:r>
+            <a:r>
+              <a:rPr lang="zh-CN" altLang="en-US" sz="1200" dirty="0" smtClean="0"/>
+              <a:t>：</a:t>
             </a:r>
             <a:r>
               <a:rPr lang="zh-CN" altLang="en-US" sz="1200" dirty="0">
@@ -3932,71 +3956,66 @@
                   <a:srgbClr val="FF0000"/>
                 </a:solidFill>
               </a:rPr>
-              <a:t>部门经理</a:t>
-            </a:r>
-          </a:p>
-          <a:p>
-            <a:r>
-              <a:rPr lang="en-US" altLang="zh-CN" sz="1200" dirty="0">
+              <a:t>副总</a:t>
+            </a:r>
+            <a:r>
+              <a:rPr lang="zh-CN" altLang="en-US" sz="1200" dirty="0" smtClean="0">
                 <a:solidFill>
                   <a:srgbClr val="FF0000"/>
                 </a:solidFill>
               </a:rPr>
-              <a:t>2.5000&lt;</a:t>
-            </a:r>
-            <a:r>
-              <a:rPr lang="zh-CN" altLang="en-US" sz="1200" dirty="0">
+              <a:t>经理</a:t>
+            </a:r>
+            <a:endParaRPr lang="zh-CN" altLang="en-US" sz="1200" dirty="0">
+              <a:solidFill>
+                <a:srgbClr val="FF0000"/>
+              </a:solidFill>
+            </a:endParaRPr>
+          </a:p>
+          <a:p>
+            <a:r>
+              <a:rPr lang="en-US" altLang="zh-CN" sz="1200" dirty="0"/>
+              <a:t>2</a:t>
+            </a:r>
+            <a:r>
+              <a:rPr lang="en-US" altLang="zh-CN" sz="1200" dirty="0" smtClean="0">
                 <a:solidFill>
                   <a:srgbClr val="FF0000"/>
                 </a:solidFill>
               </a:rPr>
-              <a:t>申请金额</a:t>
-            </a:r>
-            <a:r>
-              <a:rPr lang="en-US" altLang="zh-CN" sz="1200" dirty="0">
+              <a:t>.</a:t>
+            </a:r>
+            <a:r>
+              <a:rPr lang="zh-CN" altLang="en-US" sz="1200" dirty="0" smtClean="0">
                 <a:solidFill>
                   <a:srgbClr val="FF0000"/>
                 </a:solidFill>
               </a:rPr>
-              <a:t>&lt;50000</a:t>
+              <a:t>未税总价</a:t>
+            </a:r>
+            <a:r>
+              <a:rPr lang="en-US" altLang="zh-CN" sz="1200" dirty="0" smtClean="0">
+                <a:solidFill>
+                  <a:srgbClr val="FF0000"/>
+                </a:solidFill>
+              </a:rPr>
+              <a:t>&gt;50000</a:t>
             </a:r>
             <a:r>
               <a:rPr lang="en-US" altLang="zh-CN" sz="1200" dirty="0"/>
-              <a:t>,</a:t>
+              <a:t> </a:t>
+            </a:r>
+            <a:r>
+              <a:rPr lang="en-US" altLang="zh-CN" sz="1200" dirty="0" smtClean="0"/>
+              <a:t> </a:t>
+            </a:r>
+            <a:r>
+              <a:rPr lang="zh-CN" altLang="en-US" sz="1200" dirty="0" smtClean="0"/>
+              <a:t>签</a:t>
             </a:r>
             <a:r>
               <a:rPr lang="zh-CN" altLang="en-US" sz="1200" dirty="0"/>
-              <a:t>签核权限：</a:t>
-            </a:r>
-            <a:r>
-              <a:rPr lang="zh-CN" altLang="en-US" sz="1200" dirty="0">
-                <a:solidFill>
-                  <a:srgbClr val="FF0000"/>
-                </a:solidFill>
-              </a:rPr>
-              <a:t>副总经理</a:t>
-            </a:r>
-          </a:p>
-          <a:p>
-            <a:r>
-              <a:rPr lang="en-US" altLang="zh-CN" sz="1200" dirty="0"/>
-              <a:t>3</a:t>
-            </a:r>
-            <a:r>
-              <a:rPr lang="en-US" altLang="zh-CN" sz="1200" dirty="0">
-                <a:solidFill>
-                  <a:srgbClr val="FF0000"/>
-                </a:solidFill>
-              </a:rPr>
-              <a:t>.&gt;50000</a:t>
-            </a:r>
-            <a:r>
-              <a:rPr lang="en-US" altLang="zh-CN" sz="1200" dirty="0"/>
-              <a:t>,</a:t>
-            </a:r>
-            <a:r>
-              <a:rPr lang="zh-CN" altLang="en-US" sz="1200" dirty="0"/>
-              <a:t>签核权限 ：</a:t>
+              <a:t>核权限 ：</a:t>
             </a:r>
             <a:r>
               <a:rPr lang="zh-CN" altLang="en-US" sz="1200" dirty="0">
@@ -4011,8 +4030,10 @@
       </p:sp>
       <p:pic>
         <p:nvPicPr>
-          <p:cNvPr id="5" name="图片 4"/>
-          <p:cNvPicPr/>
+          <p:cNvPr id="3" name="图片 2"/>
+          <p:cNvPicPr>
+            <a:picLocks noChangeAspect="1"/>
+          </p:cNvPicPr>
           <p:nvPr/>
         </p:nvPicPr>
         <p:blipFill>
@@ -4023,8 +4044,8 @@
         </p:blipFill>
         <p:spPr>
           <a:xfrm>
-            <a:off x="1858645" y="1292542"/>
-            <a:ext cx="6645910" cy="2626995"/>
+            <a:off x="2362280" y="1743722"/>
+            <a:ext cx="6819048" cy="2057143"/>
           </a:xfrm>
           <a:prstGeom prst="rect">
             <a:avLst/>
